--- a/94_アーカイブ/00_ポートフォリオ/アピールポイント.pptx
+++ b/94_アーカイブ/00_ポートフォリオ/アピールポイント.pptx
@@ -4191,6 +4191,402 @@
           </p:txBody>
         </p:sp>
       </p:grpSp>
+      <p:pic>
+        <p:nvPicPr>
+          <p:cNvPr id="7" name="図 6">
+            <a:extLst>
+              <a:ext uri="{FF2B5EF4-FFF2-40B4-BE49-F238E27FC236}">
+                <a16:creationId xmlns:a16="http://schemas.microsoft.com/office/drawing/2014/main" id="{7B94CA50-F3D6-4B5A-BF86-186213B40010}"/>
+              </a:ext>
+            </a:extLst>
+          </p:cNvPr>
+          <p:cNvPicPr>
+            <a:picLocks noChangeAspect="1"/>
+          </p:cNvPicPr>
+          <p:nvPr/>
+        </p:nvPicPr>
+        <p:blipFill>
+          <a:blip r:embed="rId8">
+            <a:extLst>
+              <a:ext uri="{28A0092B-C50C-407E-A947-70E740481C1C}">
+                <a14:useLocalDpi xmlns:a14="http://schemas.microsoft.com/office/drawing/2010/main" val="0"/>
+              </a:ext>
+            </a:extLst>
+          </a:blip>
+          <a:stretch>
+            <a:fillRect/>
+          </a:stretch>
+        </p:blipFill>
+        <p:spPr>
+          <a:xfrm>
+            <a:off x="100117" y="7330866"/>
+            <a:ext cx="1714392" cy="2464830"/>
+          </a:xfrm>
+          <a:prstGeom prst="rect">
+            <a:avLst/>
+          </a:prstGeom>
+          <a:ln w="57150">
+            <a:solidFill>
+              <a:srgbClr val="00B0F0"/>
+            </a:solidFill>
+          </a:ln>
+          <a:effectLst>
+            <a:outerShdw blurRad="50800" dist="38100" dir="2700000" algn="tl" rotWithShape="0">
+              <a:prstClr val="black">
+                <a:alpha val="40000"/>
+              </a:prstClr>
+            </a:outerShdw>
+          </a:effectLst>
+        </p:spPr>
+      </p:pic>
+      <p:sp>
+        <p:nvSpPr>
+          <p:cNvPr id="22" name="テキスト ボックス 21">
+            <a:extLst>
+              <a:ext uri="{FF2B5EF4-FFF2-40B4-BE49-F238E27FC236}">
+                <a16:creationId xmlns:a16="http://schemas.microsoft.com/office/drawing/2014/main" id="{C09EF711-8CA6-4926-9148-68AD0518B1C1}"/>
+              </a:ext>
+            </a:extLst>
+          </p:cNvPr>
+          <p:cNvSpPr txBox="1"/>
+          <p:nvPr/>
+        </p:nvSpPr>
+        <p:spPr>
+          <a:xfrm>
+            <a:off x="87309" y="6198359"/>
+            <a:ext cx="6670574" cy="954107"/>
+          </a:xfrm>
+          <a:prstGeom prst="rect">
+            <a:avLst/>
+          </a:prstGeom>
+          <a:noFill/>
+          <a:ln w="38100">
+            <a:solidFill>
+              <a:srgbClr val="00B0F0"/>
+            </a:solidFill>
+          </a:ln>
+        </p:spPr>
+        <p:txBody>
+          <a:bodyPr wrap="square" rtlCol="0">
+            <a:spAutoFit/>
+          </a:bodyPr>
+          <a:lstStyle/>
+          <a:p>
+            <a:r>
+              <a:rPr kumimoji="1" lang="ja-JP" altLang="en-US" sz="2800" dirty="0">
+                <a:ln w="12700">
+                  <a:solidFill>
+                    <a:sysClr val="windowText" lastClr="000000"/>
+                  </a:solidFill>
+                </a:ln>
+                <a:solidFill>
+                  <a:schemeClr val="bg1"/>
+                </a:solidFill>
+                <a:latin typeface="HGS創英角ﾎﾟｯﾌﾟ体" panose="040B0A00000000000000" pitchFamily="50" charset="-128"/>
+                <a:ea typeface="HGS創英角ﾎﾟｯﾌﾟ体" panose="040B0A00000000000000" pitchFamily="50" charset="-128"/>
+              </a:rPr>
+              <a:t>曲がり角の情報をテキストで読み込ませ、</a:t>
+            </a:r>
+            <a:r>
+              <a:rPr kumimoji="1" lang="ja-JP" altLang="en-US" sz="2800" dirty="0">
+                <a:ln w="12700">
+                  <a:solidFill>
+                    <a:sysClr val="windowText" lastClr="000000"/>
+                  </a:solidFill>
+                </a:ln>
+                <a:solidFill>
+                  <a:srgbClr val="FF0000"/>
+                </a:solidFill>
+                <a:latin typeface="HGS創英角ﾎﾟｯﾌﾟ体" panose="040B0A00000000000000" pitchFamily="50" charset="-128"/>
+                <a:ea typeface="HGS創英角ﾎﾟｯﾌﾟ体" panose="040B0A00000000000000" pitchFamily="50" charset="-128"/>
+              </a:rPr>
+              <a:t>ランダムに</a:t>
+            </a:r>
+            <a:r>
+              <a:rPr kumimoji="1" lang="ja-JP" altLang="en-US" sz="2800" dirty="0">
+                <a:ln w="12700">
+                  <a:solidFill>
+                    <a:sysClr val="windowText" lastClr="000000"/>
+                  </a:solidFill>
+                </a:ln>
+                <a:solidFill>
+                  <a:schemeClr val="bg1"/>
+                </a:solidFill>
+                <a:latin typeface="HGS創英角ﾎﾟｯﾌﾟ体" panose="040B0A00000000000000" pitchFamily="50" charset="-128"/>
+                <a:ea typeface="HGS創英角ﾎﾟｯﾌﾟ体" panose="040B0A00000000000000" pitchFamily="50" charset="-128"/>
+              </a:rPr>
+              <a:t>道路を走るようにしています</a:t>
+            </a:r>
+          </a:p>
+        </p:txBody>
+      </p:sp>
+      <p:sp>
+        <p:nvSpPr>
+          <p:cNvPr id="29" name="矢印: 五方向 28">
+            <a:extLst>
+              <a:ext uri="{FF2B5EF4-FFF2-40B4-BE49-F238E27FC236}">
+                <a16:creationId xmlns:a16="http://schemas.microsoft.com/office/drawing/2014/main" id="{5FCCD0CF-30A3-4CD7-8B69-8B85477740F4}"/>
+              </a:ext>
+            </a:extLst>
+          </p:cNvPr>
+          <p:cNvSpPr/>
+          <p:nvPr/>
+        </p:nvSpPr>
+        <p:spPr>
+          <a:xfrm flipH="1">
+            <a:off x="1932214" y="7226508"/>
+            <a:ext cx="4463437" cy="2600705"/>
+          </a:xfrm>
+          <a:prstGeom prst="homePlate">
+            <a:avLst>
+              <a:gd name="adj" fmla="val 28664"/>
+            </a:avLst>
+          </a:prstGeom>
+          <a:noFill/>
+          <a:ln w="28575">
+            <a:solidFill>
+              <a:srgbClr val="00B0F0"/>
+            </a:solidFill>
+          </a:ln>
+        </p:spPr>
+        <p:style>
+          <a:lnRef idx="2">
+            <a:schemeClr val="accent1">
+              <a:shade val="50000"/>
+            </a:schemeClr>
+          </a:lnRef>
+          <a:fillRef idx="1">
+            <a:schemeClr val="accent1"/>
+          </a:fillRef>
+          <a:effectRef idx="0">
+            <a:schemeClr val="accent1"/>
+          </a:effectRef>
+          <a:fontRef idx="minor">
+            <a:schemeClr val="lt1"/>
+          </a:fontRef>
+        </p:style>
+        <p:txBody>
+          <a:bodyPr rot="0" spcFirstLastPara="0" vertOverflow="overflow" horzOverflow="overflow" vert="horz" wrap="square" lIns="91440" tIns="45720" rIns="91440" bIns="45720" numCol="1" spcCol="0" rtlCol="0" fromWordArt="0" anchor="ctr" anchorCtr="0" forceAA="0" compatLnSpc="1">
+            <a:prstTxWarp prst="textNoShape">
+              <a:avLst/>
+            </a:prstTxWarp>
+            <a:noAutofit/>
+          </a:bodyPr>
+          <a:lstStyle/>
+          <a:p>
+            <a:pPr algn="ctr"/>
+            <a:endParaRPr kumimoji="1" lang="ja-JP" altLang="en-US" b="1">
+              <a:ln w="9525">
+                <a:solidFill>
+                  <a:srgbClr val="002060"/>
+                </a:solidFill>
+                <a:prstDash val="solid"/>
+              </a:ln>
+              <a:solidFill>
+                <a:schemeClr val="accent5"/>
+              </a:solidFill>
+              <a:effectLst>
+                <a:outerShdw blurRad="12700" dist="38100" dir="2700000" algn="tl" rotWithShape="0">
+                  <a:schemeClr val="accent5">
+                    <a:lumMod val="60000"/>
+                    <a:lumOff val="40000"/>
+                  </a:schemeClr>
+                </a:outerShdw>
+              </a:effectLst>
+            </a:endParaRPr>
+          </a:p>
+        </p:txBody>
+      </p:sp>
+      <p:sp>
+        <p:nvSpPr>
+          <p:cNvPr id="30" name="テキスト ボックス 29">
+            <a:extLst>
+              <a:ext uri="{FF2B5EF4-FFF2-40B4-BE49-F238E27FC236}">
+                <a16:creationId xmlns:a16="http://schemas.microsoft.com/office/drawing/2014/main" id="{B2C56CA2-ED44-4A16-A20D-EAE02A049772}"/>
+              </a:ext>
+            </a:extLst>
+          </p:cNvPr>
+          <p:cNvSpPr txBox="1"/>
+          <p:nvPr/>
+        </p:nvSpPr>
+        <p:spPr>
+          <a:xfrm flipH="1">
+            <a:off x="2606317" y="7174808"/>
+            <a:ext cx="3789335" cy="2677656"/>
+          </a:xfrm>
+          <a:prstGeom prst="rect">
+            <a:avLst/>
+          </a:prstGeom>
+          <a:noFill/>
+        </p:spPr>
+        <p:txBody>
+          <a:bodyPr wrap="square" rtlCol="0">
+            <a:spAutoFit/>
+          </a:bodyPr>
+          <a:lstStyle/>
+          <a:p>
+            <a:r>
+              <a:rPr kumimoji="1" lang="ja-JP" altLang="en-US" sz="2800" dirty="0">
+                <a:ln w="12700">
+                  <a:solidFill>
+                    <a:sysClr val="windowText" lastClr="000000"/>
+                  </a:solidFill>
+                </a:ln>
+                <a:solidFill>
+                  <a:srgbClr val="FF0000"/>
+                </a:solidFill>
+                <a:latin typeface="HGS創英角ﾎﾟｯﾌﾟ体" panose="040B0A00000000000000" pitchFamily="50" charset="-128"/>
+                <a:ea typeface="HGS創英角ﾎﾟｯﾌﾟ体" panose="040B0A00000000000000" pitchFamily="50" charset="-128"/>
+              </a:rPr>
+              <a:t>どこにある</a:t>
+            </a:r>
+            <a:r>
+              <a:rPr kumimoji="1" lang="ja-JP" altLang="en-US" sz="2800" dirty="0">
+                <a:ln w="12700">
+                  <a:solidFill>
+                    <a:sysClr val="windowText" lastClr="000000"/>
+                  </a:solidFill>
+                </a:ln>
+                <a:solidFill>
+                  <a:schemeClr val="bg1"/>
+                </a:solidFill>
+                <a:latin typeface="HGS創英角ﾎﾟｯﾌﾟ体" panose="040B0A00000000000000" pitchFamily="50" charset="-128"/>
+                <a:ea typeface="HGS創英角ﾎﾟｯﾌﾟ体" panose="040B0A00000000000000" pitchFamily="50" charset="-128"/>
+              </a:rPr>
+              <a:t>のか、</a:t>
+            </a:r>
+            <a:endParaRPr kumimoji="1" lang="en-US" altLang="ja-JP" sz="2800" dirty="0">
+              <a:ln w="12700">
+                <a:solidFill>
+                  <a:sysClr val="windowText" lastClr="000000"/>
+                </a:solidFill>
+              </a:ln>
+              <a:solidFill>
+                <a:schemeClr val="bg1"/>
+              </a:solidFill>
+              <a:latin typeface="HGS創英角ﾎﾟｯﾌﾟ体" panose="040B0A00000000000000" pitchFamily="50" charset="-128"/>
+              <a:ea typeface="HGS創英角ﾎﾟｯﾌﾟ体" panose="040B0A00000000000000" pitchFamily="50" charset="-128"/>
+            </a:endParaRPr>
+          </a:p>
+          <a:p>
+            <a:r>
+              <a:rPr kumimoji="1" lang="ja-JP" altLang="en-US" sz="2800" dirty="0">
+                <a:ln w="12700">
+                  <a:solidFill>
+                    <a:sysClr val="windowText" lastClr="000000"/>
+                  </a:solidFill>
+                </a:ln>
+                <a:solidFill>
+                  <a:srgbClr val="FF0000"/>
+                </a:solidFill>
+                <a:latin typeface="HGS創英角ﾎﾟｯﾌﾟ体" panose="040B0A00000000000000" pitchFamily="50" charset="-128"/>
+                <a:ea typeface="HGS創英角ﾎﾟｯﾌﾟ体" panose="040B0A00000000000000" pitchFamily="50" charset="-128"/>
+              </a:rPr>
+              <a:t>突き当たり</a:t>
+            </a:r>
+            <a:r>
+              <a:rPr kumimoji="1" lang="ja-JP" altLang="en-US" sz="2800" dirty="0">
+                <a:ln w="12700">
+                  <a:solidFill>
+                    <a:sysClr val="windowText" lastClr="000000"/>
+                  </a:solidFill>
+                </a:ln>
+                <a:solidFill>
+                  <a:schemeClr val="bg1"/>
+                </a:solidFill>
+                <a:latin typeface="HGS創英角ﾎﾟｯﾌﾟ体" panose="040B0A00000000000000" pitchFamily="50" charset="-128"/>
+                <a:ea typeface="HGS創英角ﾎﾟｯﾌﾟ体" panose="040B0A00000000000000" pitchFamily="50" charset="-128"/>
+              </a:rPr>
+              <a:t>なのか、</a:t>
+            </a:r>
+            <a:endParaRPr kumimoji="1" lang="en-US" altLang="ja-JP" sz="2800" dirty="0">
+              <a:ln w="12700">
+                <a:solidFill>
+                  <a:sysClr val="windowText" lastClr="000000"/>
+                </a:solidFill>
+              </a:ln>
+              <a:solidFill>
+                <a:schemeClr val="bg1"/>
+              </a:solidFill>
+              <a:latin typeface="HGS創英角ﾎﾟｯﾌﾟ体" panose="040B0A00000000000000" pitchFamily="50" charset="-128"/>
+              <a:ea typeface="HGS創英角ﾎﾟｯﾌﾟ体" panose="040B0A00000000000000" pitchFamily="50" charset="-128"/>
+            </a:endParaRPr>
+          </a:p>
+          <a:p>
+            <a:r>
+              <a:rPr kumimoji="1" lang="ja-JP" altLang="en-US" sz="2800" dirty="0">
+                <a:ln w="12700">
+                  <a:solidFill>
+                    <a:sysClr val="windowText" lastClr="000000"/>
+                  </a:solidFill>
+                </a:ln>
+                <a:solidFill>
+                  <a:srgbClr val="FF0000"/>
+                </a:solidFill>
+                <a:latin typeface="HGS創英角ﾎﾟｯﾌﾟ体" panose="040B0A00000000000000" pitchFamily="50" charset="-128"/>
+                <a:ea typeface="HGS創英角ﾎﾟｯﾌﾟ体" panose="040B0A00000000000000" pitchFamily="50" charset="-128"/>
+              </a:rPr>
+              <a:t>どっちに曲がれる</a:t>
+            </a:r>
+            <a:r>
+              <a:rPr kumimoji="1" lang="ja-JP" altLang="en-US" sz="2800" dirty="0">
+                <a:ln w="12700">
+                  <a:solidFill>
+                    <a:sysClr val="windowText" lastClr="000000"/>
+                  </a:solidFill>
+                </a:ln>
+                <a:solidFill>
+                  <a:schemeClr val="bg1"/>
+                </a:solidFill>
+                <a:latin typeface="HGS創英角ﾎﾟｯﾌﾟ体" panose="040B0A00000000000000" pitchFamily="50" charset="-128"/>
+                <a:ea typeface="HGS創英角ﾎﾟｯﾌﾟ体" panose="040B0A00000000000000" pitchFamily="50" charset="-128"/>
+              </a:rPr>
+              <a:t>のかなどを記録。</a:t>
+            </a:r>
+            <a:endParaRPr kumimoji="1" lang="en-US" altLang="ja-JP" sz="2800" dirty="0">
+              <a:ln w="12700">
+                <a:solidFill>
+                  <a:sysClr val="windowText" lastClr="000000"/>
+                </a:solidFill>
+              </a:ln>
+              <a:solidFill>
+                <a:schemeClr val="bg1"/>
+              </a:solidFill>
+              <a:latin typeface="HGS創英角ﾎﾟｯﾌﾟ体" panose="040B0A00000000000000" pitchFamily="50" charset="-128"/>
+              <a:ea typeface="HGS創英角ﾎﾟｯﾌﾟ体" panose="040B0A00000000000000" pitchFamily="50" charset="-128"/>
+            </a:endParaRPr>
+          </a:p>
+          <a:p>
+            <a:r>
+              <a:rPr kumimoji="1" lang="ja-JP" altLang="en-US" sz="2800" dirty="0">
+                <a:ln w="12700">
+                  <a:solidFill>
+                    <a:sysClr val="windowText" lastClr="000000"/>
+                  </a:solidFill>
+                </a:ln>
+                <a:solidFill>
+                  <a:schemeClr val="bg1"/>
+                </a:solidFill>
+                <a:latin typeface="HGS創英角ﾎﾟｯﾌﾟ体" panose="040B0A00000000000000" pitchFamily="50" charset="-128"/>
+                <a:ea typeface="HGS創英角ﾎﾟｯﾌﾟ体" panose="040B0A00000000000000" pitchFamily="50" charset="-128"/>
+              </a:rPr>
+              <a:t>ランダムで走行させることに成功！！</a:t>
+            </a:r>
+            <a:endParaRPr kumimoji="1" lang="en-US" altLang="ja-JP" sz="2800" dirty="0">
+              <a:ln w="12700">
+                <a:solidFill>
+                  <a:sysClr val="windowText" lastClr="000000"/>
+                </a:solidFill>
+              </a:ln>
+              <a:solidFill>
+                <a:schemeClr val="bg1"/>
+              </a:solidFill>
+              <a:latin typeface="HGS創英角ﾎﾟｯﾌﾟ体" panose="040B0A00000000000000" pitchFamily="50" charset="-128"/>
+              <a:ea typeface="HGS創英角ﾎﾟｯﾌﾟ体" panose="040B0A00000000000000" pitchFamily="50" charset="-128"/>
+            </a:endParaRPr>
+          </a:p>
+        </p:txBody>
+      </p:sp>
     </p:spTree>
     <p:extLst>
       <p:ext uri="{BB962C8B-B14F-4D97-AF65-F5344CB8AC3E}">
